--- a/VOSS_Diagnostics.pptx
+++ b/VOSS_Diagnostics.pptx
@@ -6,7 +6,7 @@
     <p:sldMasterId id="2147483973" r:id="rId2"/>
   </p:sldMasterIdLst>
   <p:notesMasterIdLst>
-    <p:notesMasterId r:id="rId34"/>
+    <p:notesMasterId r:id="rId33"/>
   </p:notesMasterIdLst>
   <p:sldIdLst>
     <p:sldId id="601" r:id="rId3"/>
@@ -29,17 +29,16 @@
     <p:sldId id="590" r:id="rId20"/>
     <p:sldId id="591" r:id="rId21"/>
     <p:sldId id="506" r:id="rId22"/>
-    <p:sldId id="515" r:id="rId23"/>
-    <p:sldId id="498" r:id="rId24"/>
-    <p:sldId id="507" r:id="rId25"/>
-    <p:sldId id="600" r:id="rId26"/>
-    <p:sldId id="509" r:id="rId27"/>
-    <p:sldId id="510" r:id="rId28"/>
-    <p:sldId id="511" r:id="rId29"/>
-    <p:sldId id="512" r:id="rId30"/>
-    <p:sldId id="594" r:id="rId31"/>
-    <p:sldId id="488" r:id="rId32"/>
-    <p:sldId id="596" r:id="rId33"/>
+    <p:sldId id="498" r:id="rId23"/>
+    <p:sldId id="507" r:id="rId24"/>
+    <p:sldId id="600" r:id="rId25"/>
+    <p:sldId id="509" r:id="rId26"/>
+    <p:sldId id="510" r:id="rId27"/>
+    <p:sldId id="511" r:id="rId28"/>
+    <p:sldId id="512" r:id="rId29"/>
+    <p:sldId id="594" r:id="rId30"/>
+    <p:sldId id="488" r:id="rId31"/>
+    <p:sldId id="596" r:id="rId32"/>
   </p:sldIdLst>
   <p:sldSz cx="13004800" cy="9753600"/>
   <p:notesSz cx="6858000" cy="9144000"/>
@@ -283,7 +282,7 @@
             <a:fld id="{3ECB703B-55A8-CB49-B806-4B4D31A981B5}" type="datetimeFigureOut">
               <a:rPr lang="en-US" smtClean="0"/>
               <a:pPr/>
-              <a:t>6/6/23</a:t>
+              <a:t>6/8/23</a:t>
             </a:fld>
             <a:endParaRPr lang="en-US" dirty="0"/>
           </a:p>
@@ -710,7 +709,7 @@
           <a:p>
             <a:fld id="{6CC6C3B2-064B-354D-8C1F-514EB506E547}" type="datetime1">
               <a:rPr lang="en-US" smtClean="0"/>
-              <a:t>6/6/23</a:t>
+              <a:t>6/8/23</a:t>
             </a:fld>
             <a:endParaRPr lang="en-US"/>
           </a:p>
@@ -883,7 +882,7 @@
           <a:p>
             <a:fld id="{6B0432A6-097D-4F4F-A41A-EC7107E67D3B}" type="datetime1">
               <a:rPr lang="en-US" smtClean="0"/>
-              <a:t>6/6/23</a:t>
+              <a:t>6/8/23</a:t>
             </a:fld>
             <a:endParaRPr lang="en-US"/>
           </a:p>
@@ -1066,7 +1065,7 @@
           <a:p>
             <a:fld id="{A88B80F1-A54E-EA4C-A93D-A7D09BEDA789}" type="datetime1">
               <a:rPr lang="en-US" smtClean="0"/>
-              <a:t>6/6/23</a:t>
+              <a:t>6/8/23</a:t>
             </a:fld>
             <a:endParaRPr lang="en-US"/>
           </a:p>
@@ -1285,7 +1284,7 @@
           <a:p>
             <a:fld id="{C8C1B375-16D5-F343-9C0E-AD3735F106C7}" type="datetimeFigureOut">
               <a:rPr lang="en-US" smtClean="0"/>
-              <a:t>6/6/23</a:t>
+              <a:t>6/8/23</a:t>
             </a:fld>
             <a:endParaRPr lang="en-US"/>
           </a:p>
@@ -1455,7 +1454,7 @@
           <a:p>
             <a:fld id="{C8C1B375-16D5-F343-9C0E-AD3735F106C7}" type="datetimeFigureOut">
               <a:rPr lang="en-US" smtClean="0"/>
-              <a:t>6/6/23</a:t>
+              <a:t>6/8/23</a:t>
             </a:fld>
             <a:endParaRPr lang="en-US"/>
           </a:p>
@@ -1715,7 +1714,7 @@
           <a:p>
             <a:fld id="{C8C1B375-16D5-F343-9C0E-AD3735F106C7}" type="datetimeFigureOut">
               <a:rPr lang="en-US" smtClean="0"/>
-              <a:t>6/6/23</a:t>
+              <a:t>6/8/23</a:t>
             </a:fld>
             <a:endParaRPr lang="en-US"/>
           </a:p>
@@ -1947,7 +1946,7 @@
           <a:p>
             <a:fld id="{C8C1B375-16D5-F343-9C0E-AD3735F106C7}" type="datetimeFigureOut">
               <a:rPr lang="en-US" smtClean="0"/>
-              <a:t>6/6/23</a:t>
+              <a:t>6/8/23</a:t>
             </a:fld>
             <a:endParaRPr lang="en-US"/>
           </a:p>
@@ -2307,7 +2306,7 @@
           <a:p>
             <a:fld id="{C8C1B375-16D5-F343-9C0E-AD3735F106C7}" type="datetimeFigureOut">
               <a:rPr lang="en-US" smtClean="0"/>
-              <a:t>6/6/23</a:t>
+              <a:t>6/8/23</a:t>
             </a:fld>
             <a:endParaRPr lang="en-US"/>
           </a:p>
@@ -2453,7 +2452,7 @@
           <a:p>
             <a:fld id="{C8C1B375-16D5-F343-9C0E-AD3735F106C7}" type="datetimeFigureOut">
               <a:rPr lang="en-US" smtClean="0"/>
-              <a:t>6/6/23</a:t>
+              <a:t>6/8/23</a:t>
             </a:fld>
             <a:endParaRPr lang="en-US"/>
           </a:p>
@@ -2548,7 +2547,7 @@
           <a:p>
             <a:fld id="{C8C1B375-16D5-F343-9C0E-AD3735F106C7}" type="datetimeFigureOut">
               <a:rPr lang="en-US" smtClean="0"/>
-              <a:t>6/6/23</a:t>
+              <a:t>6/8/23</a:t>
             </a:fld>
             <a:endParaRPr lang="en-US"/>
           </a:p>
@@ -2908,7 +2907,7 @@
           <a:p>
             <a:fld id="{C8C1B375-16D5-F343-9C0E-AD3735F106C7}" type="datetimeFigureOut">
               <a:rPr lang="en-US" smtClean="0"/>
-              <a:t>6/6/23</a:t>
+              <a:t>6/8/23</a:t>
             </a:fld>
             <a:endParaRPr lang="en-US"/>
           </a:p>
@@ -3100,7 +3099,7 @@
           <a:p>
             <a:fld id="{B459356F-D5F2-F240-8665-C411DDB10310}" type="datetime1">
               <a:rPr lang="en-US" smtClean="0"/>
-              <a:t>6/6/23</a:t>
+              <a:t>6/8/23</a:t>
             </a:fld>
             <a:endParaRPr lang="en-US"/>
           </a:p>
@@ -3405,7 +3404,7 @@
           <a:p>
             <a:fld id="{C8C1B375-16D5-F343-9C0E-AD3735F106C7}" type="datetimeFigureOut">
               <a:rPr lang="en-US" smtClean="0"/>
-              <a:t>6/6/23</a:t>
+              <a:t>6/8/23</a:t>
             </a:fld>
             <a:endParaRPr lang="en-US"/>
           </a:p>
@@ -3592,7 +3591,7 @@
           <a:p>
             <a:fld id="{C8C1B375-16D5-F343-9C0E-AD3735F106C7}" type="datetimeFigureOut">
               <a:rPr lang="en-US" smtClean="0"/>
-              <a:t>6/6/23</a:t>
+              <a:t>6/8/23</a:t>
             </a:fld>
             <a:endParaRPr lang="en-US"/>
           </a:p>
@@ -3772,7 +3771,7 @@
           <a:p>
             <a:fld id="{C8C1B375-16D5-F343-9C0E-AD3735F106C7}" type="datetimeFigureOut">
               <a:rPr lang="en-US" smtClean="0"/>
-              <a:t>6/6/23</a:t>
+              <a:t>6/8/23</a:t>
             </a:fld>
             <a:endParaRPr lang="en-US"/>
           </a:p>
@@ -4032,7 +4031,7 @@
           <a:p>
             <a:fld id="{B559FE14-C96F-2E4D-B6F3-AA2A4CFDA7DE}" type="datetime1">
               <a:rPr lang="en-US" smtClean="0"/>
-              <a:t>6/6/23</a:t>
+              <a:t>6/8/23</a:t>
             </a:fld>
             <a:endParaRPr lang="en-US"/>
           </a:p>
@@ -4267,7 +4266,7 @@
           <a:p>
             <a:fld id="{C717E476-D7D5-6945-BA69-E09A83275445}" type="datetime1">
               <a:rPr lang="en-US" smtClean="0"/>
-              <a:t>6/6/23</a:t>
+              <a:t>6/8/23</a:t>
             </a:fld>
             <a:endParaRPr lang="en-US"/>
           </a:p>
@@ -4630,7 +4629,7 @@
           <a:p>
             <a:fld id="{411E0FA0-D9B2-4147-8208-908E8303C111}" type="datetime1">
               <a:rPr lang="en-US" smtClean="0"/>
-              <a:t>6/6/23</a:t>
+              <a:t>6/8/23</a:t>
             </a:fld>
             <a:endParaRPr lang="en-US"/>
           </a:p>
@@ -4779,7 +4778,7 @@
           <a:p>
             <a:fld id="{502D7790-25FB-E54C-8B5C-4C642DDB5076}" type="datetime1">
               <a:rPr lang="en-US" smtClean="0"/>
-              <a:t>6/6/23</a:t>
+              <a:t>6/8/23</a:t>
             </a:fld>
             <a:endParaRPr lang="en-US"/>
           </a:p>
@@ -4877,7 +4876,7 @@
           <a:p>
             <a:fld id="{6385366D-45C0-654E-850E-66331EAE456A}" type="datetime1">
               <a:rPr lang="en-US" smtClean="0"/>
-              <a:t>6/6/23</a:t>
+              <a:t>6/8/23</a:t>
             </a:fld>
             <a:endParaRPr lang="en-US"/>
           </a:p>
@@ -5240,7 +5239,7 @@
           <a:p>
             <a:fld id="{D6387A0C-CF11-F14C-BAC2-14841F16619E}" type="datetime1">
               <a:rPr lang="en-US" smtClean="0"/>
-              <a:t>6/6/23</a:t>
+              <a:t>6/8/23</a:t>
             </a:fld>
             <a:endParaRPr lang="en-US"/>
           </a:p>
@@ -5567,7 +5566,7 @@
           <a:p>
             <a:fld id="{3A368F6F-09DC-E54B-AB55-6E7297928F44}" type="datetime1">
               <a:rPr lang="en-US" smtClean="0"/>
-              <a:t>6/6/23</a:t>
+              <a:t>6/8/23</a:t>
             </a:fld>
             <a:endParaRPr lang="en-US"/>
           </a:p>
@@ -5817,7 +5816,7 @@
           <a:p>
             <a:fld id="{F55E4BC4-7CB9-CD42-A3C4-55BE39B91006}" type="datetime1">
               <a:rPr lang="en-US" smtClean="0"/>
-              <a:t>6/6/23</a:t>
+              <a:t>6/8/23</a:t>
             </a:fld>
             <a:endParaRPr lang="en-US" dirty="0"/>
           </a:p>
@@ -6438,7 +6437,7 @@
             <a:fld id="{C8C1B375-16D5-F343-9C0E-AD3735F106C7}" type="datetimeFigureOut">
               <a:rPr lang="en-US" smtClean="0"/>
               <a:pPr/>
-              <a:t>6/6/23</a:t>
+              <a:t>6/8/23</a:t>
             </a:fld>
             <a:endParaRPr lang="en-US" dirty="0"/>
           </a:p>
@@ -8624,7 +8623,7 @@
           <a:effectLst/>
           <a:extLst>
             <a:ext uri="{91240B29-F687-4f45-9708-019B960494DF}">
-              <a14:hiddenLine xmlns:a14="http://schemas.microsoft.com/office/drawing/2010/main" xmlns="" w="25400" cap="flat" cmpd="sng" algn="ctr">
+              <a14:hiddenLine xmlns="" xmlns:a14="http://schemas.microsoft.com/office/drawing/2010/main" w="25400" cap="flat" cmpd="sng" algn="ctr">
                 <a:solidFill>
                   <a:srgbClr val="000000"/>
                 </a:solidFill>
@@ -8635,7 +8634,7 @@
               </a14:hiddenLine>
             </a:ext>
             <a:ext uri="{AF507438-7753-43e0-B8FC-AC1667EBCBE1}">
-              <a14:hiddenEffects xmlns:a14="http://schemas.microsoft.com/office/drawing/2010/main" xmlns="">
+              <a14:hiddenEffects xmlns="" xmlns:a14="http://schemas.microsoft.com/office/drawing/2010/main">
                 <a:effectLst>
                   <a:outerShdw blurRad="63500" dist="38099" dir="2700000" algn="ctr" rotWithShape="0">
                     <a:schemeClr val="bg2">
@@ -9683,7 +9682,7 @@
           <a:effectLst/>
           <a:extLst>
             <a:ext uri="{91240B29-F687-4f45-9708-019B960494DF}">
-              <a14:hiddenLine xmlns:a14="http://schemas.microsoft.com/office/drawing/2010/main" xmlns="" w="25400" cap="flat" cmpd="sng" algn="ctr">
+              <a14:hiddenLine xmlns="" xmlns:a14="http://schemas.microsoft.com/office/drawing/2010/main" w="25400" cap="flat" cmpd="sng" algn="ctr">
                 <a:solidFill>
                   <a:srgbClr val="000000"/>
                 </a:solidFill>
@@ -9694,7 +9693,7 @@
               </a14:hiddenLine>
             </a:ext>
             <a:ext uri="{AF507438-7753-43e0-B8FC-AC1667EBCBE1}">
-              <a14:hiddenEffects xmlns:a14="http://schemas.microsoft.com/office/drawing/2010/main" xmlns="">
+              <a14:hiddenEffects xmlns="" xmlns:a14="http://schemas.microsoft.com/office/drawing/2010/main">
                 <a:effectLst>
                   <a:outerShdw blurRad="63500" dist="38099" dir="2700000" algn="ctr" rotWithShape="0">
                     <a:schemeClr val="bg2">
@@ -10748,7 +10747,7 @@
           <a:effectLst/>
           <a:extLst>
             <a:ext uri="{91240B29-F687-4f45-9708-019B960494DF}">
-              <a14:hiddenLine xmlns:a14="http://schemas.microsoft.com/office/drawing/2010/main" xmlns="" w="25400" cap="flat" cmpd="sng" algn="ctr">
+              <a14:hiddenLine xmlns="" xmlns:a14="http://schemas.microsoft.com/office/drawing/2010/main" w="25400" cap="flat" cmpd="sng" algn="ctr">
                 <a:solidFill>
                   <a:srgbClr val="000000"/>
                 </a:solidFill>
@@ -10759,7 +10758,7 @@
               </a14:hiddenLine>
             </a:ext>
             <a:ext uri="{AF507438-7753-43e0-B8FC-AC1667EBCBE1}">
-              <a14:hiddenEffects xmlns:a14="http://schemas.microsoft.com/office/drawing/2010/main" xmlns="">
+              <a14:hiddenEffects xmlns="" xmlns:a14="http://schemas.microsoft.com/office/drawing/2010/main">
                 <a:effectLst>
                   <a:outerShdw blurRad="63500" dist="38099" dir="2700000" algn="ctr" rotWithShape="0">
                     <a:schemeClr val="bg2">
@@ -11807,7 +11806,7 @@
           <a:effectLst/>
           <a:extLst>
             <a:ext uri="{91240B29-F687-4f45-9708-019B960494DF}">
-              <a14:hiddenLine xmlns:a14="http://schemas.microsoft.com/office/drawing/2010/main" xmlns="" w="25400" cap="flat" cmpd="sng" algn="ctr">
+              <a14:hiddenLine xmlns="" xmlns:a14="http://schemas.microsoft.com/office/drawing/2010/main" w="25400" cap="flat" cmpd="sng" algn="ctr">
                 <a:solidFill>
                   <a:srgbClr val="000000"/>
                 </a:solidFill>
@@ -11818,7 +11817,7 @@
               </a14:hiddenLine>
             </a:ext>
             <a:ext uri="{AF507438-7753-43e0-B8FC-AC1667EBCBE1}">
-              <a14:hiddenEffects xmlns:a14="http://schemas.microsoft.com/office/drawing/2010/main" xmlns="">
+              <a14:hiddenEffects xmlns="" xmlns:a14="http://schemas.microsoft.com/office/drawing/2010/main">
                 <a:effectLst>
                   <a:outerShdw blurRad="63500" dist="38099" dir="2700000" algn="ctr" rotWithShape="0">
                     <a:schemeClr val="bg2">
@@ -12899,7 +12898,7 @@
           <a:effectLst/>
           <a:extLst>
             <a:ext uri="{91240B29-F687-4f45-9708-019B960494DF}">
-              <a14:hiddenLine xmlns:a14="http://schemas.microsoft.com/office/drawing/2010/main" xmlns="" w="25400" cap="flat" cmpd="sng" algn="ctr">
+              <a14:hiddenLine xmlns="" xmlns:a14="http://schemas.microsoft.com/office/drawing/2010/main" w="25400" cap="flat" cmpd="sng" algn="ctr">
                 <a:solidFill>
                   <a:srgbClr val="000000"/>
                 </a:solidFill>
@@ -12910,7 +12909,7 @@
               </a14:hiddenLine>
             </a:ext>
             <a:ext uri="{AF507438-7753-43e0-B8FC-AC1667EBCBE1}">
-              <a14:hiddenEffects xmlns:a14="http://schemas.microsoft.com/office/drawing/2010/main" xmlns="">
+              <a14:hiddenEffects xmlns="" xmlns:a14="http://schemas.microsoft.com/office/drawing/2010/main">
                 <a:effectLst>
                   <a:outerShdw blurRad="63500" dist="38099" dir="2700000" algn="ctr" rotWithShape="0">
                     <a:schemeClr val="bg2">
@@ -14400,7 +14399,7 @@
           <a:effectLst/>
           <a:extLst>
             <a:ext uri="{91240B29-F687-4f45-9708-019B960494DF}">
-              <a14:hiddenLine xmlns:a14="http://schemas.microsoft.com/office/drawing/2010/main" xmlns="" w="25400" cap="flat" cmpd="sng" algn="ctr">
+              <a14:hiddenLine xmlns="" xmlns:a14="http://schemas.microsoft.com/office/drawing/2010/main" w="25400" cap="flat" cmpd="sng" algn="ctr">
                 <a:solidFill>
                   <a:srgbClr val="000000"/>
                 </a:solidFill>
@@ -14411,7 +14410,7 @@
               </a14:hiddenLine>
             </a:ext>
             <a:ext uri="{AF507438-7753-43e0-B8FC-AC1667EBCBE1}">
-              <a14:hiddenEffects xmlns:a14="http://schemas.microsoft.com/office/drawing/2010/main" xmlns="">
+              <a14:hiddenEffects xmlns="" xmlns:a14="http://schemas.microsoft.com/office/drawing/2010/main">
                 <a:effectLst>
                   <a:outerShdw blurRad="63500" dist="38099" dir="2700000" algn="ctr" rotWithShape="0">
                     <a:schemeClr val="bg2">
@@ -15607,356 +15606,6 @@
       </p:grpSpPr>
       <p:sp>
         <p:nvSpPr>
-          <p:cNvPr id="2" name="Title 1"/>
-          <p:cNvSpPr>
-            <a:spLocks noGrp="1"/>
-          </p:cNvSpPr>
-          <p:nvPr>
-            <p:ph type="title"/>
-          </p:nvPr>
-        </p:nvSpPr>
-        <p:spPr>
-          <a:xfrm>
-            <a:off x="1170432" y="407615"/>
-            <a:ext cx="10728960" cy="1649785"/>
-          </a:xfrm>
-        </p:spPr>
-        <p:txBody>
-          <a:bodyPr>
-            <a:normAutofit/>
-          </a:bodyPr>
-          <a:lstStyle/>
-          <a:p>
-            <a:pPr algn="ctr"/>
-            <a:r>
-              <a:rPr lang="en-US" sz="4200" dirty="0">
-                <a:latin typeface="Gill Sans MT" panose="020B0502020104020203" pitchFamily="34" charset="77"/>
-                <a:ea typeface="Helvetica Neue Condensed" charset="0"/>
-                <a:cs typeface="Helvetica Neue Condensed" charset="0"/>
-              </a:rPr>
-              <a:t>Metrics: Optimizing vs viewing</a:t>
-            </a:r>
-          </a:p>
-        </p:txBody>
-      </p:sp>
-      <p:sp>
-        <p:nvSpPr>
-          <p:cNvPr id="3" name="TextBox 2"/>
-          <p:cNvSpPr txBox="1"/>
-          <p:nvPr/>
-        </p:nvSpPr>
-        <p:spPr>
-          <a:xfrm>
-            <a:off x="461318" y="2514600"/>
-            <a:ext cx="12213282" cy="6494085"/>
-          </a:xfrm>
-          <a:prstGeom prst="rect">
-            <a:avLst/>
-          </a:prstGeom>
-          <a:noFill/>
-        </p:spPr>
-        <p:txBody>
-          <a:bodyPr wrap="square" rtlCol="0">
-            <a:spAutoFit/>
-          </a:bodyPr>
-          <a:lstStyle/>
-          <a:p>
-            <a:r>
-              <a:rPr lang="en-US" dirty="0">
-                <a:latin typeface="Gill Sans MT" panose="020B0502020104020203" pitchFamily="34" charset="77"/>
-              </a:rPr>
-              <a:t>Important:</a:t>
-            </a:r>
-          </a:p>
-          <a:p>
-            <a:pPr algn="l"/>
-            <a:endParaRPr lang="en-US" dirty="0">
-              <a:solidFill>
-                <a:schemeClr val="accent2">
-                  <a:lumMod val="75000"/>
-                </a:schemeClr>
-              </a:solidFill>
-              <a:latin typeface="Gill Sans MT" panose="020B0502020104020203" pitchFamily="34" charset="77"/>
-            </a:endParaRPr>
-          </a:p>
-          <a:p>
-            <a:pPr algn="just"/>
-            <a:r>
-              <a:rPr lang="en-US" dirty="0">
-                <a:solidFill>
-                  <a:schemeClr val="tx1"/>
-                </a:solidFill>
-                <a:latin typeface="Gill Sans MT" panose="020B0502020104020203" pitchFamily="34" charset="77"/>
-              </a:rPr>
-              <a:t>There is a big difference between choosing the optimal metric (e.g., precision vs accuracy) when </a:t>
-            </a:r>
-            <a:r>
-              <a:rPr lang="en-US" dirty="0">
-                <a:solidFill>
-                  <a:srgbClr val="FF0000"/>
-                </a:solidFill>
-                <a:latin typeface="Gill Sans MT" panose="020B0502020104020203" pitchFamily="34" charset="77"/>
-              </a:rPr>
-              <a:t>comparing</a:t>
-            </a:r>
-            <a:r>
-              <a:rPr lang="en-US" dirty="0">
-                <a:solidFill>
-                  <a:schemeClr val="tx1"/>
-                </a:solidFill>
-                <a:latin typeface="Gill Sans MT" panose="020B0502020104020203" pitchFamily="34" charset="77"/>
-              </a:rPr>
-              <a:t> models (for example, when we choose between </a:t>
-            </a:r>
-            <a:r>
-              <a:rPr lang="en-US" dirty="0" err="1">
-                <a:solidFill>
-                  <a:schemeClr val="tx1"/>
-                </a:solidFill>
-                <a:latin typeface="Gill Sans MT" panose="020B0502020104020203" pitchFamily="34" charset="77"/>
-              </a:rPr>
-              <a:t>kNN</a:t>
-            </a:r>
-            <a:r>
-              <a:rPr lang="en-US" dirty="0">
-                <a:solidFill>
-                  <a:schemeClr val="tx1"/>
-                </a:solidFill>
-                <a:latin typeface="Gill Sans MT" panose="020B0502020104020203" pitchFamily="34" charset="77"/>
-              </a:rPr>
-              <a:t> or DT or when we select parameters) and choosing the metric that is optimized when </a:t>
-            </a:r>
-            <a:r>
-              <a:rPr lang="en-US" dirty="0">
-                <a:solidFill>
-                  <a:srgbClr val="FF0000"/>
-                </a:solidFill>
-                <a:latin typeface="Gill Sans MT" panose="020B0502020104020203" pitchFamily="34" charset="77"/>
-              </a:rPr>
-              <a:t>building</a:t>
-            </a:r>
-            <a:r>
-              <a:rPr lang="en-US" dirty="0">
-                <a:solidFill>
-                  <a:schemeClr val="tx1"/>
-                </a:solidFill>
-                <a:latin typeface="Gill Sans MT" panose="020B0502020104020203" pitchFamily="34" charset="77"/>
-              </a:rPr>
-              <a:t> models. </a:t>
-            </a:r>
-          </a:p>
-          <a:p>
-            <a:pPr algn="l"/>
-            <a:endParaRPr lang="en-US" dirty="0">
-              <a:solidFill>
-                <a:schemeClr val="tx1"/>
-              </a:solidFill>
-              <a:latin typeface="Gill Sans MT" panose="020B0502020104020203" pitchFamily="34" charset="77"/>
-            </a:endParaRPr>
-          </a:p>
-          <a:p>
-            <a:pPr algn="l"/>
-            <a:r>
-              <a:rPr lang="en-US" dirty="0">
-                <a:solidFill>
-                  <a:schemeClr val="tx1"/>
-                </a:solidFill>
-                <a:latin typeface="Gill Sans MT" panose="020B0502020104020203" pitchFamily="34" charset="77"/>
-              </a:rPr>
-              <a:t>For example, in a decision tree, would choosing accuracy or recall change the optimal splits of a given training set? </a:t>
-            </a:r>
-          </a:p>
-          <a:p>
-            <a:pPr algn="l"/>
-            <a:endParaRPr lang="en-US" dirty="0">
-              <a:solidFill>
-                <a:schemeClr val="tx1"/>
-              </a:solidFill>
-              <a:latin typeface="Gill Sans MT" panose="020B0502020104020203" pitchFamily="34" charset="77"/>
-            </a:endParaRPr>
-          </a:p>
-          <a:p>
-            <a:pPr algn="l"/>
-            <a:r>
-              <a:rPr lang="en-US" dirty="0">
-                <a:solidFill>
-                  <a:schemeClr val="tx1"/>
-                </a:solidFill>
-                <a:latin typeface="Gill Sans MT" panose="020B0502020104020203" pitchFamily="34" charset="77"/>
-              </a:rPr>
-              <a:t>Why or why not?</a:t>
-            </a:r>
-          </a:p>
-          <a:p>
-            <a:pPr algn="l"/>
-            <a:endParaRPr lang="en-US" dirty="0">
-              <a:solidFill>
-                <a:schemeClr val="tx1"/>
-              </a:solidFill>
-              <a:latin typeface="Gill Sans MT" panose="020B0502020104020203" pitchFamily="34" charset="77"/>
-            </a:endParaRPr>
-          </a:p>
-          <a:p>
-            <a:pPr algn="l"/>
-            <a:r>
-              <a:rPr lang="en-US" dirty="0">
-                <a:solidFill>
-                  <a:schemeClr val="tx1"/>
-                </a:solidFill>
-                <a:latin typeface="Gill Sans MT" panose="020B0502020104020203" pitchFamily="34" charset="77"/>
-              </a:rPr>
-              <a:t>Many algorithms, especially in </a:t>
-            </a:r>
-            <a:r>
-              <a:rPr lang="en-US" dirty="0" err="1">
-                <a:solidFill>
-                  <a:schemeClr val="tx1"/>
-                </a:solidFill>
-                <a:latin typeface="Gill Sans MT" panose="020B0502020104020203" pitchFamily="34" charset="77"/>
-              </a:rPr>
-              <a:t>sklearn</a:t>
-            </a:r>
-            <a:r>
-              <a:rPr lang="en-US" dirty="0">
-                <a:solidFill>
-                  <a:schemeClr val="tx1"/>
-                </a:solidFill>
-                <a:latin typeface="Gill Sans MT" panose="020B0502020104020203" pitchFamily="34" charset="77"/>
-              </a:rPr>
-              <a:t>, have a hard coded </a:t>
-            </a:r>
-            <a:r>
-              <a:rPr lang="en-US" dirty="0">
-                <a:solidFill>
-                  <a:srgbClr val="FF0000"/>
-                </a:solidFill>
-                <a:latin typeface="Gill Sans MT" panose="020B0502020104020203" pitchFamily="34" charset="77"/>
-              </a:rPr>
-              <a:t>loss function</a:t>
-            </a:r>
-            <a:r>
-              <a:rPr lang="en-US" dirty="0">
-                <a:solidFill>
-                  <a:schemeClr val="tx1"/>
-                </a:solidFill>
-                <a:latin typeface="Gill Sans MT" panose="020B0502020104020203" pitchFamily="34" charset="77"/>
-              </a:rPr>
-              <a:t>.</a:t>
-            </a:r>
-          </a:p>
-        </p:txBody>
-      </p:sp>
-    </p:spTree>
-    <p:extLst>
-      <p:ext uri="{BB962C8B-B14F-4D97-AF65-F5344CB8AC3E}">
-        <p14:creationId xmlns:p14="http://schemas.microsoft.com/office/powerpoint/2010/main" val="850514535"/>
-      </p:ext>
-    </p:extLst>
-  </p:cSld>
-  <p:clrMapOvr>
-    <a:masterClrMapping/>
-  </p:clrMapOvr>
-  <p:timing>
-    <p:tnLst>
-      <p:par>
-        <p:cTn id="1" dur="indefinite" restart="never" nodeType="tmRoot">
-          <p:childTnLst>
-            <p:seq concurrent="1" nextAc="seek">
-              <p:cTn id="2" dur="indefinite" nodeType="mainSeq">
-                <p:childTnLst>
-                  <p:par>
-                    <p:cTn id="3" fill="hold">
-                      <p:stCondLst>
-                        <p:cond delay="indefinite"/>
-                      </p:stCondLst>
-                      <p:childTnLst>
-                        <p:par>
-                          <p:cTn id="4" fill="hold">
-                            <p:stCondLst>
-                              <p:cond delay="0"/>
-                            </p:stCondLst>
-                            <p:childTnLst>
-                              <p:par>
-                                <p:cTn id="5" presetID="1" presetClass="entr" presetSubtype="0" fill="hold" nodeType="clickEffect">
-                                  <p:stCondLst>
-                                    <p:cond delay="0"/>
-                                  </p:stCondLst>
-                                  <p:childTnLst>
-                                    <p:set>
-                                      <p:cBhvr>
-                                        <p:cTn id="6" dur="1" fill="hold">
-                                          <p:stCondLst>
-                                            <p:cond delay="0"/>
-                                          </p:stCondLst>
-                                        </p:cTn>
-                                        <p:tgtEl>
-                                          <p:spTgt spid="3">
-                                            <p:txEl>
-                                              <p:pRg st="8" end="8"/>
-                                            </p:txEl>
-                                          </p:spTgt>
-                                        </p:tgtEl>
-                                        <p:attrNameLst>
-                                          <p:attrName>style.visibility</p:attrName>
-                                        </p:attrNameLst>
-                                      </p:cBhvr>
-                                      <p:to>
-                                        <p:strVal val="visible"/>
-                                      </p:to>
-                                    </p:set>
-                                  </p:childTnLst>
-                                </p:cTn>
-                              </p:par>
-                            </p:childTnLst>
-                          </p:cTn>
-                        </p:par>
-                      </p:childTnLst>
-                    </p:cTn>
-                  </p:par>
-                </p:childTnLst>
-              </p:cTn>
-              <p:prevCondLst>
-                <p:cond evt="onPrev" delay="0">
-                  <p:tgtEl>
-                    <p:sldTgt/>
-                  </p:tgtEl>
-                </p:cond>
-              </p:prevCondLst>
-              <p:nextCondLst>
-                <p:cond evt="onNext" delay="0">
-                  <p:tgtEl>
-                    <p:sldTgt/>
-                  </p:tgtEl>
-                </p:cond>
-              </p:nextCondLst>
-            </p:seq>
-          </p:childTnLst>
-        </p:cTn>
-      </p:par>
-    </p:tnLst>
-  </p:timing>
-</p:sld>
-</file>
-
-<file path=ppt/slides/slide22.xml><?xml version="1.0" encoding="utf-8"?>
-<p:sld xmlns:a="http://schemas.openxmlformats.org/drawingml/2006/main" xmlns:r="http://schemas.openxmlformats.org/officeDocument/2006/relationships" xmlns:p="http://schemas.openxmlformats.org/presentationml/2006/main">
-  <p:cSld>
-    <p:spTree>
-      <p:nvGrpSpPr>
-        <p:cNvPr id="1" name=""/>
-        <p:cNvGrpSpPr/>
-        <p:nvPr/>
-      </p:nvGrpSpPr>
-      <p:grpSpPr>
-        <a:xfrm>
-          <a:off x="0" y="0"/>
-          <a:ext cx="0" cy="0"/>
-          <a:chOff x="0" y="0"/>
-          <a:chExt cx="0" cy="0"/>
-        </a:xfrm>
-      </p:grpSpPr>
-      <p:sp>
-        <p:nvSpPr>
           <p:cNvPr id="4" name="Title 3"/>
           <p:cNvSpPr>
             <a:spLocks noGrp="1"/>
@@ -16052,7 +15701,7 @@
 </p:sld>
 </file>
 
-<file path=ppt/slides/slide23.xml><?xml version="1.0" encoding="utf-8"?>
+<file path=ppt/slides/slide22.xml><?xml version="1.0" encoding="utf-8"?>
 <p:sld xmlns:a="http://schemas.openxmlformats.org/drawingml/2006/main" xmlns:r="http://schemas.openxmlformats.org/officeDocument/2006/relationships" xmlns:p="http://schemas.openxmlformats.org/presentationml/2006/main">
   <p:cSld>
     <p:spTree>
@@ -16563,7 +16212,7 @@
 </p:sld>
 </file>
 
-<file path=ppt/slides/slide24.xml><?xml version="1.0" encoding="utf-8"?>
+<file path=ppt/slides/slide23.xml><?xml version="1.0" encoding="utf-8"?>
 <p:sld xmlns:a="http://schemas.openxmlformats.org/drawingml/2006/main" xmlns:r="http://schemas.openxmlformats.org/officeDocument/2006/relationships" xmlns:p="http://schemas.openxmlformats.org/presentationml/2006/main">
   <p:cSld>
     <p:spTree>
@@ -19344,7 +18993,7 @@
 </p:sld>
 </file>
 
-<file path=ppt/slides/slide25.xml><?xml version="1.0" encoding="utf-8"?>
+<file path=ppt/slides/slide24.xml><?xml version="1.0" encoding="utf-8"?>
 <p:sld xmlns:a="http://schemas.openxmlformats.org/drawingml/2006/main" xmlns:r="http://schemas.openxmlformats.org/officeDocument/2006/relationships" xmlns:p="http://schemas.openxmlformats.org/presentationml/2006/main">
   <p:cSld>
     <p:spTree>
@@ -19703,7 +19352,7 @@
 </p:sld>
 </file>
 
-<file path=ppt/slides/slide26.xml><?xml version="1.0" encoding="utf-8"?>
+<file path=ppt/slides/slide25.xml><?xml version="1.0" encoding="utf-8"?>
 <p:sld xmlns:a="http://schemas.openxmlformats.org/drawingml/2006/main" xmlns:r="http://schemas.openxmlformats.org/officeDocument/2006/relationships" xmlns:p="http://schemas.openxmlformats.org/presentationml/2006/main">
   <p:cSld>
     <p:spTree>
@@ -20239,7 +19888,7 @@
 </p:sld>
 </file>
 
-<file path=ppt/slides/slide27.xml><?xml version="1.0" encoding="utf-8"?>
+<file path=ppt/slides/slide26.xml><?xml version="1.0" encoding="utf-8"?>
 <p:sld xmlns:a="http://schemas.openxmlformats.org/drawingml/2006/main" xmlns:r="http://schemas.openxmlformats.org/officeDocument/2006/relationships" xmlns:p="http://schemas.openxmlformats.org/presentationml/2006/main">
   <p:cSld>
     <p:spTree>
@@ -20455,7 +20104,7 @@
           <a:effectLst/>
           <a:extLst>
             <a:ext uri="{91240B29-F687-4f45-9708-019B960494DF}">
-              <a14:hiddenLine xmlns:a14="http://schemas.microsoft.com/office/drawing/2010/main" xmlns="" w="25400" cap="flat" cmpd="sng" algn="ctr">
+              <a14:hiddenLine xmlns="" xmlns:a14="http://schemas.microsoft.com/office/drawing/2010/main" w="25400" cap="flat" cmpd="sng" algn="ctr">
                 <a:solidFill>
                   <a:srgbClr val="000000"/>
                 </a:solidFill>
@@ -20466,7 +20115,7 @@
               </a14:hiddenLine>
             </a:ext>
             <a:ext uri="{AF507438-7753-43e0-B8FC-AC1667EBCBE1}">
-              <a14:hiddenEffects xmlns:a14="http://schemas.microsoft.com/office/drawing/2010/main" xmlns="">
+              <a14:hiddenEffects xmlns="" xmlns:a14="http://schemas.microsoft.com/office/drawing/2010/main">
                 <a:effectLst>
                   <a:outerShdw blurRad="63500" dist="38099" dir="2700000" algn="ctr" rotWithShape="0">
                     <a:schemeClr val="bg2">
@@ -20507,7 +20156,7 @@
           <a:effectLst/>
           <a:extLst>
             <a:ext uri="{91240B29-F687-4f45-9708-019B960494DF}">
-              <a14:hiddenLine xmlns:a14="http://schemas.microsoft.com/office/drawing/2010/main" xmlns="" w="25400" cap="flat" cmpd="sng" algn="ctr">
+              <a14:hiddenLine xmlns="" xmlns:a14="http://schemas.microsoft.com/office/drawing/2010/main" w="25400" cap="flat" cmpd="sng" algn="ctr">
                 <a:solidFill>
                   <a:srgbClr val="000000"/>
                 </a:solidFill>
@@ -20518,7 +20167,7 @@
               </a14:hiddenLine>
             </a:ext>
             <a:ext uri="{AF507438-7753-43e0-B8FC-AC1667EBCBE1}">
-              <a14:hiddenEffects xmlns:a14="http://schemas.microsoft.com/office/drawing/2010/main" xmlns="">
+              <a14:hiddenEffects xmlns="" xmlns:a14="http://schemas.microsoft.com/office/drawing/2010/main">
                 <a:effectLst>
                   <a:outerShdw blurRad="63500" dist="38099" dir="2700000" algn="ctr" rotWithShape="0">
                     <a:schemeClr val="bg2">
@@ -20621,7 +20270,7 @@
           <a:effectLst/>
           <a:extLst>
             <a:ext uri="{91240B29-F687-4f45-9708-019B960494DF}">
-              <a14:hiddenLine xmlns:a14="http://schemas.microsoft.com/office/drawing/2010/main" xmlns="" w="25400" cap="flat" cmpd="sng" algn="ctr">
+              <a14:hiddenLine xmlns="" xmlns:a14="http://schemas.microsoft.com/office/drawing/2010/main" w="25400" cap="flat" cmpd="sng" algn="ctr">
                 <a:solidFill>
                   <a:srgbClr val="000000"/>
                 </a:solidFill>
@@ -20632,7 +20281,7 @@
               </a14:hiddenLine>
             </a:ext>
             <a:ext uri="{AF507438-7753-43e0-B8FC-AC1667EBCBE1}">
-              <a14:hiddenEffects xmlns:a14="http://schemas.microsoft.com/office/drawing/2010/main" xmlns="">
+              <a14:hiddenEffects xmlns="" xmlns:a14="http://schemas.microsoft.com/office/drawing/2010/main">
                 <a:effectLst>
                   <a:outerShdw blurRad="63500" dist="38099" dir="2700000" algn="ctr" rotWithShape="0">
                     <a:schemeClr val="bg2">
@@ -20855,6 +20504,196 @@
 </p:sld>
 </file>
 
+<file path=ppt/slides/slide27.xml><?xml version="1.0" encoding="utf-8"?>
+<p:sld xmlns:a="http://schemas.openxmlformats.org/drawingml/2006/main" xmlns:r="http://schemas.openxmlformats.org/officeDocument/2006/relationships" xmlns:p="http://schemas.openxmlformats.org/presentationml/2006/main">
+  <p:cSld>
+    <p:spTree>
+      <p:nvGrpSpPr>
+        <p:cNvPr id="1" name=""/>
+        <p:cNvGrpSpPr/>
+        <p:nvPr/>
+      </p:nvGrpSpPr>
+      <p:grpSpPr>
+        <a:xfrm>
+          <a:off x="0" y="0"/>
+          <a:ext cx="0" cy="0"/>
+          <a:chOff x="0" y="0"/>
+          <a:chExt cx="0" cy="0"/>
+        </a:xfrm>
+      </p:grpSpPr>
+      <p:sp>
+        <p:nvSpPr>
+          <p:cNvPr id="2" name="Title 1"/>
+          <p:cNvSpPr>
+            <a:spLocks noGrp="1"/>
+          </p:cNvSpPr>
+          <p:nvPr>
+            <p:ph type="title" idx="4294967295"/>
+          </p:nvPr>
+        </p:nvSpPr>
+        <p:spPr>
+          <a:xfrm>
+            <a:off x="1625600" y="1447800"/>
+            <a:ext cx="10160000" cy="6324600"/>
+          </a:xfrm>
+        </p:spPr>
+        <p:txBody>
+          <a:bodyPr>
+            <a:normAutofit/>
+          </a:bodyPr>
+          <a:lstStyle/>
+          <a:p>
+            <a:r>
+              <a:rPr lang="en-US" sz="4200" dirty="0">
+                <a:solidFill>
+                  <a:schemeClr val="tx1">
+                    <a:lumMod val="95000"/>
+                    <a:lumOff val="5000"/>
+                  </a:schemeClr>
+                </a:solidFill>
+                <a:latin typeface="Gill Sans MT" panose="020B0502020104020203" pitchFamily="34" charset="77"/>
+                <a:ea typeface="Helvetica Neue Condensed" charset="0"/>
+                <a:cs typeface="Helvetica Neue Condensed" charset="0"/>
+              </a:rPr>
+              <a:t>Note: which algorithm is the best?</a:t>
+            </a:r>
+            <a:br>
+              <a:rPr lang="en-US" sz="4200" dirty="0">
+                <a:solidFill>
+                  <a:schemeClr val="tx1">
+                    <a:lumMod val="95000"/>
+                    <a:lumOff val="5000"/>
+                  </a:schemeClr>
+                </a:solidFill>
+                <a:latin typeface="Gill Sans MT" panose="020B0502020104020203" pitchFamily="34" charset="77"/>
+                <a:ea typeface="Helvetica Neue Condensed" charset="0"/>
+                <a:cs typeface="Helvetica Neue Condensed" charset="0"/>
+              </a:rPr>
+            </a:br>
+            <a:br>
+              <a:rPr lang="en-US" sz="4200" dirty="0">
+                <a:solidFill>
+                  <a:schemeClr val="tx1">
+                    <a:lumMod val="95000"/>
+                    <a:lumOff val="5000"/>
+                  </a:schemeClr>
+                </a:solidFill>
+                <a:latin typeface="Gill Sans MT" panose="020B0502020104020203" pitchFamily="34" charset="77"/>
+                <a:ea typeface="Helvetica Neue Condensed" charset="0"/>
+                <a:cs typeface="Helvetica Neue Condensed" charset="0"/>
+              </a:rPr>
+            </a:br>
+            <a:r>
+              <a:rPr lang="en-US" sz="4200" dirty="0">
+                <a:solidFill>
+                  <a:schemeClr val="tx1">
+                    <a:lumMod val="95000"/>
+                    <a:lumOff val="5000"/>
+                  </a:schemeClr>
+                </a:solidFill>
+                <a:latin typeface="Gill Sans MT" panose="020B0502020104020203" pitchFamily="34" charset="77"/>
+                <a:ea typeface="Helvetica Neue Condensed" charset="0"/>
+                <a:cs typeface="Helvetica Neue Condensed" charset="0"/>
+              </a:rPr>
+              <a:t>A) High bias low variance</a:t>
+            </a:r>
+            <a:br>
+              <a:rPr lang="en-US" sz="4200" dirty="0">
+                <a:solidFill>
+                  <a:schemeClr val="tx1">
+                    <a:lumMod val="95000"/>
+                    <a:lumOff val="5000"/>
+                  </a:schemeClr>
+                </a:solidFill>
+                <a:latin typeface="Gill Sans MT" panose="020B0502020104020203" pitchFamily="34" charset="77"/>
+                <a:ea typeface="Helvetica Neue Condensed" charset="0"/>
+                <a:cs typeface="Helvetica Neue Condensed" charset="0"/>
+              </a:rPr>
+            </a:br>
+            <a:r>
+              <a:rPr lang="en-US" sz="4200" dirty="0">
+                <a:solidFill>
+                  <a:schemeClr val="tx1">
+                    <a:lumMod val="95000"/>
+                    <a:lumOff val="5000"/>
+                  </a:schemeClr>
+                </a:solidFill>
+                <a:latin typeface="Gill Sans MT" panose="020B0502020104020203" pitchFamily="34" charset="77"/>
+                <a:ea typeface="Helvetica Neue Condensed" charset="0"/>
+                <a:cs typeface="Helvetica Neue Condensed" charset="0"/>
+              </a:rPr>
+              <a:t>B) High variance low bias</a:t>
+            </a:r>
+            <a:br>
+              <a:rPr lang="en-US" sz="4200" dirty="0">
+                <a:solidFill>
+                  <a:schemeClr val="tx1">
+                    <a:lumMod val="95000"/>
+                    <a:lumOff val="5000"/>
+                  </a:schemeClr>
+                </a:solidFill>
+                <a:latin typeface="Gill Sans MT" panose="020B0502020104020203" pitchFamily="34" charset="77"/>
+                <a:ea typeface="Helvetica Neue Condensed" charset="0"/>
+                <a:cs typeface="Helvetica Neue Condensed" charset="0"/>
+              </a:rPr>
+            </a:br>
+            <a:r>
+              <a:rPr lang="en-US" sz="4200" dirty="0">
+                <a:solidFill>
+                  <a:schemeClr val="tx1">
+                    <a:lumMod val="95000"/>
+                    <a:lumOff val="5000"/>
+                  </a:schemeClr>
+                </a:solidFill>
+                <a:latin typeface="Gill Sans MT" panose="020B0502020104020203" pitchFamily="34" charset="77"/>
+                <a:ea typeface="Helvetica Neue Condensed" charset="0"/>
+                <a:cs typeface="Helvetica Neue Condensed" charset="0"/>
+              </a:rPr>
+              <a:t>C) Lowest gap between train/test scores</a:t>
+            </a:r>
+            <a:br>
+              <a:rPr lang="en-US" sz="4200" dirty="0">
+                <a:solidFill>
+                  <a:schemeClr val="tx1">
+                    <a:lumMod val="95000"/>
+                    <a:lumOff val="5000"/>
+                  </a:schemeClr>
+                </a:solidFill>
+                <a:latin typeface="Gill Sans MT" panose="020B0502020104020203" pitchFamily="34" charset="77"/>
+                <a:ea typeface="Helvetica Neue Condensed" charset="0"/>
+                <a:cs typeface="Helvetica Neue Condensed" charset="0"/>
+              </a:rPr>
+            </a:br>
+            <a:r>
+              <a:rPr lang="en-US" sz="4200" dirty="0">
+                <a:solidFill>
+                  <a:schemeClr val="tx1">
+                    <a:lumMod val="95000"/>
+                    <a:lumOff val="5000"/>
+                  </a:schemeClr>
+                </a:solidFill>
+                <a:latin typeface="Gill Sans MT" panose="020B0502020104020203" pitchFamily="34" charset="77"/>
+                <a:ea typeface="Helvetica Neue Condensed" charset="0"/>
+                <a:cs typeface="Helvetica Neue Condensed" charset="0"/>
+              </a:rPr>
+              <a:t>D) Highest test scores</a:t>
+            </a:r>
+          </a:p>
+        </p:txBody>
+      </p:sp>
+    </p:spTree>
+    <p:extLst>
+      <p:ext uri="{BB962C8B-B14F-4D97-AF65-F5344CB8AC3E}">
+        <p14:creationId xmlns:p14="http://schemas.microsoft.com/office/powerpoint/2010/main" val="1731173721"/>
+      </p:ext>
+    </p:extLst>
+  </p:cSld>
+  <p:clrMapOvr>
+    <a:masterClrMapping/>
+  </p:clrMapOvr>
+</p:sld>
+</file>
+
 <file path=ppt/slides/slide28.xml><?xml version="1.0" encoding="utf-8"?>
 <p:sld xmlns:a="http://schemas.openxmlformats.org/drawingml/2006/main" xmlns:r="http://schemas.openxmlformats.org/officeDocument/2006/relationships" xmlns:p="http://schemas.openxmlformats.org/presentationml/2006/main">
   <p:cSld>
@@ -21018,10 +20857,7 @@
             <a:r>
               <a:rPr lang="en-US" sz="4200" dirty="0">
                 <a:solidFill>
-                  <a:schemeClr val="tx1">
-                    <a:lumMod val="95000"/>
-                    <a:lumOff val="5000"/>
-                  </a:schemeClr>
+                  <a:srgbClr val="FF0000"/>
                 </a:solidFill>
                 <a:latin typeface="Gill Sans MT" panose="020B0502020104020203" pitchFamily="34" charset="77"/>
                 <a:ea typeface="Helvetica Neue Condensed" charset="0"/>
@@ -21035,7 +20871,7 @@
     </p:spTree>
     <p:extLst>
       <p:ext uri="{BB962C8B-B14F-4D97-AF65-F5344CB8AC3E}">
-        <p14:creationId xmlns:p14="http://schemas.microsoft.com/office/powerpoint/2010/main" val="1731173721"/>
+        <p14:creationId xmlns:p14="http://schemas.microsoft.com/office/powerpoint/2010/main" val="346567570"/>
       </p:ext>
     </p:extLst>
   </p:cSld>
@@ -21069,152 +20905,325 @@
             <a:spLocks noGrp="1"/>
           </p:cNvSpPr>
           <p:nvPr>
-            <p:ph type="title" idx="4294967295"/>
+            <p:ph type="title"/>
           </p:nvPr>
         </p:nvSpPr>
         <p:spPr>
           <a:xfrm>
-            <a:off x="1625600" y="1447800"/>
-            <a:ext cx="10160000" cy="6324600"/>
+            <a:off x="1397000" y="381000"/>
+            <a:ext cx="10883899" cy="1917700"/>
           </a:xfrm>
         </p:spPr>
         <p:txBody>
           <a:bodyPr>
-            <a:normAutofit/>
+            <a:noAutofit/>
           </a:bodyPr>
           <a:lstStyle/>
           <a:p>
-            <a:r>
-              <a:rPr lang="en-US" sz="4200" dirty="0">
-                <a:solidFill>
-                  <a:schemeClr val="tx1">
-                    <a:lumMod val="95000"/>
-                    <a:lumOff val="5000"/>
-                  </a:schemeClr>
+            <a:pPr algn="ctr"/>
+            <a:r>
+              <a:rPr lang="en-US" sz="4800" dirty="0"/>
+              <a:t>Summary: </a:t>
+            </a:r>
+            <a:br>
+              <a:rPr lang="en-US" sz="4800" dirty="0"/>
+            </a:br>
+            <a:r>
+              <a:rPr lang="en-US" sz="4800" dirty="0"/>
+              <a:t>how to build a ML model </a:t>
+            </a:r>
+          </a:p>
+        </p:txBody>
+      </p:sp>
+      <p:sp>
+        <p:nvSpPr>
+          <p:cNvPr id="3" name="Rectangle 2"/>
+          <p:cNvSpPr/>
+          <p:nvPr/>
+        </p:nvSpPr>
+        <p:spPr>
+          <a:xfrm>
+            <a:off x="330201" y="2819400"/>
+            <a:ext cx="12572999" cy="6124754"/>
+          </a:xfrm>
+          <a:prstGeom prst="rect">
+            <a:avLst/>
+          </a:prstGeom>
+        </p:spPr>
+        <p:txBody>
+          <a:bodyPr wrap="square">
+            <a:spAutoFit/>
+          </a:bodyPr>
+          <a:lstStyle/>
+          <a:p>
+            <a:pPr marL="514350" indent="-514350" algn="l">
+              <a:buAutoNum type="arabicPeriod"/>
+            </a:pPr>
+            <a:r>
+              <a:rPr lang="en-US" sz="2800" dirty="0">
+                <a:solidFill>
+                  <a:schemeClr val="tx1"/>
                 </a:solidFill>
                 <a:latin typeface="Gill Sans MT" panose="020B0502020104020203" pitchFamily="34" charset="77"/>
                 <a:ea typeface="Helvetica Neue Condensed" charset="0"/>
                 <a:cs typeface="Helvetica Neue Condensed" charset="0"/>
               </a:rPr>
-              <a:t>Note: which algorithm is the best?</a:t>
-            </a:r>
-            <a:br>
-              <a:rPr lang="en-US" sz="4200" dirty="0">
-                <a:solidFill>
-                  <a:schemeClr val="tx1">
-                    <a:lumMod val="95000"/>
-                    <a:lumOff val="5000"/>
-                  </a:schemeClr>
+              <a:t>Choose a class of model (aka a machine learning algorithm) by importing the appropriate estimator class from </a:t>
+            </a:r>
+            <a:r>
+              <a:rPr lang="en-US" sz="2800" dirty="0" err="1">
+                <a:solidFill>
+                  <a:schemeClr val="tx1"/>
                 </a:solidFill>
                 <a:latin typeface="Gill Sans MT" panose="020B0502020104020203" pitchFamily="34" charset="77"/>
                 <a:ea typeface="Helvetica Neue Condensed" charset="0"/>
                 <a:cs typeface="Helvetica Neue Condensed" charset="0"/>
               </a:rPr>
-            </a:br>
-            <a:br>
-              <a:rPr lang="en-US" sz="4200" dirty="0">
-                <a:solidFill>
-                  <a:schemeClr val="tx1">
-                    <a:lumMod val="95000"/>
-                    <a:lumOff val="5000"/>
-                  </a:schemeClr>
+              <a:t>Scikit</a:t>
+            </a:r>
+            <a:r>
+              <a:rPr lang="en-US" sz="2800" dirty="0">
+                <a:solidFill>
+                  <a:schemeClr val="tx1"/>
                 </a:solidFill>
                 <a:latin typeface="Gill Sans MT" panose="020B0502020104020203" pitchFamily="34" charset="77"/>
                 <a:ea typeface="Helvetica Neue Condensed" charset="0"/>
                 <a:cs typeface="Helvetica Neue Condensed" charset="0"/>
               </a:rPr>
-            </a:br>
-            <a:r>
-              <a:rPr lang="en-US" sz="4200" dirty="0">
-                <a:solidFill>
-                  <a:schemeClr val="tx1">
-                    <a:lumMod val="95000"/>
-                    <a:lumOff val="5000"/>
-                  </a:schemeClr>
+              <a:t>-Learn.</a:t>
+            </a:r>
+          </a:p>
+          <a:p>
+            <a:pPr marL="514350" indent="-514350" algn="l">
+              <a:buAutoNum type="arabicPeriod"/>
+            </a:pPr>
+            <a:r>
+              <a:rPr lang="en-US" sz="2800" dirty="0">
+                <a:solidFill>
+                  <a:schemeClr val="tx1"/>
                 </a:solidFill>
                 <a:latin typeface="Gill Sans MT" panose="020B0502020104020203" pitchFamily="34" charset="77"/>
                 <a:ea typeface="Helvetica Neue Condensed" charset="0"/>
                 <a:cs typeface="Helvetica Neue Condensed" charset="0"/>
               </a:rPr>
-              <a:t>A) High bias low variance</a:t>
-            </a:r>
-            <a:br>
-              <a:rPr lang="en-US" sz="4200" dirty="0">
-                <a:solidFill>
-                  <a:schemeClr val="tx1">
-                    <a:lumMod val="95000"/>
-                    <a:lumOff val="5000"/>
-                  </a:schemeClr>
+              <a:t>Choose model </a:t>
+            </a:r>
+            <a:r>
+              <a:rPr lang="en-US" sz="2800" dirty="0" err="1">
+                <a:solidFill>
+                  <a:schemeClr val="tx1"/>
                 </a:solidFill>
                 <a:latin typeface="Gill Sans MT" panose="020B0502020104020203" pitchFamily="34" charset="77"/>
                 <a:ea typeface="Helvetica Neue Condensed" charset="0"/>
                 <a:cs typeface="Helvetica Neue Condensed" charset="0"/>
               </a:rPr>
-            </a:br>
-            <a:r>
-              <a:rPr lang="en-US" sz="4200" dirty="0">
-                <a:solidFill>
-                  <a:schemeClr val="tx1">
-                    <a:lumMod val="95000"/>
-                    <a:lumOff val="5000"/>
-                  </a:schemeClr>
+              <a:t>hyperparameters</a:t>
+            </a:r>
+            <a:r>
+              <a:rPr lang="en-US" sz="2800" dirty="0">
+                <a:solidFill>
+                  <a:schemeClr val="tx1"/>
                 </a:solidFill>
                 <a:latin typeface="Gill Sans MT" panose="020B0502020104020203" pitchFamily="34" charset="77"/>
                 <a:ea typeface="Helvetica Neue Condensed" charset="0"/>
                 <a:cs typeface="Helvetica Neue Condensed" charset="0"/>
               </a:rPr>
-              <a:t>B) High variance low bias</a:t>
-            </a:r>
-            <a:br>
-              <a:rPr lang="en-US" sz="4200" dirty="0">
-                <a:solidFill>
-                  <a:schemeClr val="tx1">
-                    <a:lumMod val="95000"/>
-                    <a:lumOff val="5000"/>
-                  </a:schemeClr>
+              <a:t> by instantiating this class with desired values.  Alternatively: optimize </a:t>
+            </a:r>
+            <a:r>
+              <a:rPr lang="en-US" sz="2800" dirty="0" err="1">
+                <a:solidFill>
+                  <a:schemeClr val="tx1"/>
                 </a:solidFill>
                 <a:latin typeface="Gill Sans MT" panose="020B0502020104020203" pitchFamily="34" charset="77"/>
                 <a:ea typeface="Helvetica Neue Condensed" charset="0"/>
                 <a:cs typeface="Helvetica Neue Condensed" charset="0"/>
               </a:rPr>
-            </a:br>
-            <a:r>
-              <a:rPr lang="en-US" sz="4200" dirty="0">
-                <a:solidFill>
-                  <a:schemeClr val="tx1">
-                    <a:lumMod val="95000"/>
-                    <a:lumOff val="5000"/>
-                  </a:schemeClr>
+              <a:t>hyperparameters</a:t>
+            </a:r>
+            <a:r>
+              <a:rPr lang="en-US" sz="2800" dirty="0">
+                <a:solidFill>
+                  <a:schemeClr val="tx1"/>
                 </a:solidFill>
                 <a:latin typeface="Gill Sans MT" panose="020B0502020104020203" pitchFamily="34" charset="77"/>
                 <a:ea typeface="Helvetica Neue Condensed" charset="0"/>
                 <a:cs typeface="Helvetica Neue Condensed" charset="0"/>
               </a:rPr>
-              <a:t>C) Lowest gap between train/test scores</a:t>
-            </a:r>
-            <a:br>
-              <a:rPr lang="en-US" sz="4200" dirty="0">
-                <a:solidFill>
-                  <a:schemeClr val="tx1">
-                    <a:lumMod val="95000"/>
-                    <a:lumOff val="5000"/>
-                  </a:schemeClr>
+              <a:t> (later).</a:t>
+            </a:r>
+          </a:p>
+          <a:p>
+            <a:pPr marL="514350" indent="-514350" algn="l">
+              <a:buAutoNum type="arabicPeriod"/>
+            </a:pPr>
+            <a:r>
+              <a:rPr lang="en-US" sz="2800" dirty="0">
+                <a:solidFill>
+                  <a:schemeClr val="tx1"/>
                 </a:solidFill>
                 <a:latin typeface="Gill Sans MT" panose="020B0502020104020203" pitchFamily="34" charset="77"/>
                 <a:ea typeface="Helvetica Neue Condensed" charset="0"/>
                 <a:cs typeface="Helvetica Neue Condensed" charset="0"/>
               </a:rPr>
-            </a:br>
-            <a:r>
-              <a:rPr lang="en-US" sz="4200" dirty="0">
-                <a:solidFill>
-                  <a:srgbClr val="FF0000"/>
+              <a:t>Arrange data into a feature matrix and target vector, if necessary.</a:t>
+            </a:r>
+          </a:p>
+          <a:p>
+            <a:pPr marL="514350" indent="-514350" algn="l">
+              <a:buAutoNum type="arabicPeriod"/>
+            </a:pPr>
+            <a:r>
+              <a:rPr lang="en-US" sz="2800" dirty="0">
+                <a:solidFill>
+                  <a:schemeClr val="tx1"/>
                 </a:solidFill>
                 <a:latin typeface="Gill Sans MT" panose="020B0502020104020203" pitchFamily="34" charset="77"/>
                 <a:ea typeface="Helvetica Neue Condensed" charset="0"/>
                 <a:cs typeface="Helvetica Neue Condensed" charset="0"/>
               </a:rPr>
-              <a:t>D) Highest test scores</a:t>
+              <a:t>Split the learning set into training/test </a:t>
+            </a:r>
+            <a:r>
+              <a:rPr lang="en-US" sz="2800" dirty="0">
+                <a:solidFill>
+                  <a:srgbClr val="FF0000"/>
+                </a:solidFill>
+                <a:latin typeface="Gill Sans MT" panose="020B0502020104020203" pitchFamily="34" charset="77"/>
+                <a:ea typeface="Helvetica Neue Condensed" charset="0"/>
+                <a:cs typeface="Helvetica Neue Condensed" charset="0"/>
+              </a:rPr>
+              <a:t>using k fold cross validation</a:t>
+            </a:r>
+            <a:r>
+              <a:rPr lang="en-US" sz="2800" dirty="0">
+                <a:solidFill>
+                  <a:schemeClr val="tx1"/>
+                </a:solidFill>
+                <a:latin typeface="Gill Sans MT" panose="020B0502020104020203" pitchFamily="34" charset="77"/>
+                <a:ea typeface="Helvetica Neue Condensed" charset="0"/>
+                <a:cs typeface="Helvetica Neue Condensed" charset="0"/>
+              </a:rPr>
+              <a:t>.</a:t>
+            </a:r>
+          </a:p>
+          <a:p>
+            <a:pPr marL="514350" indent="-514350" algn="l">
+              <a:buAutoNum type="arabicPeriod"/>
+            </a:pPr>
+            <a:r>
+              <a:rPr lang="en-US" sz="2800" dirty="0">
+                <a:solidFill>
+                  <a:schemeClr val="tx1"/>
+                </a:solidFill>
+                <a:latin typeface="Gill Sans MT" panose="020B0502020104020203" pitchFamily="34" charset="77"/>
+                <a:ea typeface="Helvetica Neue Condensed" charset="0"/>
+                <a:cs typeface="Helvetica Neue Condensed" charset="0"/>
+              </a:rPr>
+              <a:t>Build the model to your data by calling the ``fit()`` method.</a:t>
+            </a:r>
+          </a:p>
+          <a:p>
+            <a:pPr marL="514350" indent="-514350" algn="l">
+              <a:buAutoNum type="arabicPeriod"/>
+            </a:pPr>
+            <a:r>
+              <a:rPr lang="en-US" sz="2800" dirty="0">
+                <a:solidFill>
+                  <a:schemeClr val="tx1"/>
+                </a:solidFill>
+                <a:latin typeface="Gill Sans MT" panose="020B0502020104020203" pitchFamily="34" charset="77"/>
+                <a:ea typeface="Helvetica Neue Condensed" charset="0"/>
+                <a:cs typeface="Helvetica Neue Condensed" charset="0"/>
+              </a:rPr>
+              <a:t>Apply the model to new data:  predict labels for unknown data using the ``predict()`` method. </a:t>
+            </a:r>
+          </a:p>
+          <a:p>
+            <a:pPr marL="514350" indent="-514350" algn="l">
+              <a:buAutoNum type="arabicPeriod"/>
+            </a:pPr>
+            <a:r>
+              <a:rPr lang="en-US" sz="2800" dirty="0">
+                <a:solidFill>
+                  <a:schemeClr val="tx1"/>
+                </a:solidFill>
+                <a:latin typeface="Gill Sans MT" panose="020B0502020104020203" pitchFamily="34" charset="77"/>
+                <a:ea typeface="Helvetica Neue Condensed" charset="0"/>
+                <a:cs typeface="Helvetica Neue Condensed" charset="0"/>
+              </a:rPr>
+              <a:t>Estimate the performance (averaged over the k folds) </a:t>
+            </a:r>
+            <a:r>
+              <a:rPr lang="en-US" sz="2800" dirty="0">
+                <a:solidFill>
+                  <a:srgbClr val="FF0000"/>
+                </a:solidFill>
+                <a:latin typeface="Gill Sans MT" panose="020B0502020104020203" pitchFamily="34" charset="77"/>
+                <a:ea typeface="Helvetica Neue Condensed" charset="0"/>
+                <a:cs typeface="Helvetica Neue Condensed" charset="0"/>
+              </a:rPr>
+              <a:t>by using one of the metrics in the "metrics" method</a:t>
+            </a:r>
+            <a:r>
+              <a:rPr lang="en-US" sz="2800" dirty="0">
+                <a:solidFill>
+                  <a:schemeClr val="tx1"/>
+                </a:solidFill>
+                <a:latin typeface="Gill Sans MT" panose="020B0502020104020203" pitchFamily="34" charset="77"/>
+                <a:ea typeface="Helvetica Neue Condensed" charset="0"/>
+                <a:cs typeface="Helvetica Neue Condensed" charset="0"/>
+              </a:rPr>
+              <a:t> of the model instance (accuracy, precision, recall </a:t>
+            </a:r>
+            <a:r>
+              <a:rPr lang="mr-IN" sz="2800" dirty="0">
+                <a:solidFill>
+                  <a:schemeClr val="tx1"/>
+                </a:solidFill>
+                <a:latin typeface="Gill Sans MT" panose="020B0502020104020203" pitchFamily="34" charset="77"/>
+                <a:ea typeface="Helvetica Neue Condensed" charset="0"/>
+                <a:cs typeface="Helvetica Neue Condensed" charset="0"/>
+              </a:rPr>
+              <a:t>…</a:t>
+            </a:r>
+            <a:r>
+              <a:rPr lang="en-US" sz="2800" dirty="0">
+                <a:solidFill>
+                  <a:schemeClr val="tx1"/>
+                </a:solidFill>
+                <a:latin typeface="Gill Sans MT" panose="020B0502020104020203" pitchFamily="34" charset="77"/>
+                <a:ea typeface="Helvetica Neue Condensed" charset="0"/>
+                <a:cs typeface="Helvetica Neue Condensed" charset="0"/>
+              </a:rPr>
+              <a:t> or custom).</a:t>
+            </a:r>
+          </a:p>
+          <a:p>
+            <a:pPr marL="514350" indent="-514350" algn="l">
+              <a:buAutoNum type="arabicPeriod"/>
+            </a:pPr>
+            <a:r>
+              <a:rPr lang="en-US" sz="2800" dirty="0">
+                <a:solidFill>
+                  <a:srgbClr val="FF0000"/>
+                </a:solidFill>
+                <a:latin typeface="Gill Sans MT" panose="020B0502020104020203" pitchFamily="34" charset="77"/>
+                <a:ea typeface="Helvetica Neue Condensed" charset="0"/>
+                <a:cs typeface="Helvetica Neue Condensed" charset="0"/>
+              </a:rPr>
+              <a:t>Figure out what is not working out: </a:t>
+            </a:r>
+            <a:r>
+              <a:rPr lang="en-US" sz="2800" dirty="0">
+                <a:solidFill>
+                  <a:schemeClr val="tx1"/>
+                </a:solidFill>
+                <a:latin typeface="Gill Sans MT" panose="020B0502020104020203" pitchFamily="34" charset="77"/>
+                <a:ea typeface="Helvetica Neue Condensed" charset="0"/>
+                <a:cs typeface="Helvetica Neue Condensed" charset="0"/>
+              </a:rPr>
+              <a:t>Check training vs test score, learning curves, diagnose high variance vs high bias and decide how to move forward.</a:t>
             </a:r>
           </a:p>
         </p:txBody>
@@ -21222,7 +21231,7 @@
     </p:spTree>
     <p:extLst>
       <p:ext uri="{BB962C8B-B14F-4D97-AF65-F5344CB8AC3E}">
-        <p14:creationId xmlns:p14="http://schemas.microsoft.com/office/powerpoint/2010/main" val="346567570"/>
+        <p14:creationId xmlns:p14="http://schemas.microsoft.com/office/powerpoint/2010/main" val="1058070732"/>
       </p:ext>
     </p:extLst>
   </p:cSld>
@@ -22342,366 +22351,6 @@
 </file>
 
 <file path=ppt/slides/slide30.xml><?xml version="1.0" encoding="utf-8"?>
-<p:sld xmlns:a="http://schemas.openxmlformats.org/drawingml/2006/main" xmlns:r="http://schemas.openxmlformats.org/officeDocument/2006/relationships" xmlns:p="http://schemas.openxmlformats.org/presentationml/2006/main">
-  <p:cSld>
-    <p:spTree>
-      <p:nvGrpSpPr>
-        <p:cNvPr id="1" name=""/>
-        <p:cNvGrpSpPr/>
-        <p:nvPr/>
-      </p:nvGrpSpPr>
-      <p:grpSpPr>
-        <a:xfrm>
-          <a:off x="0" y="0"/>
-          <a:ext cx="0" cy="0"/>
-          <a:chOff x="0" y="0"/>
-          <a:chExt cx="0" cy="0"/>
-        </a:xfrm>
-      </p:grpSpPr>
-      <p:sp>
-        <p:nvSpPr>
-          <p:cNvPr id="2" name="Title 1"/>
-          <p:cNvSpPr>
-            <a:spLocks noGrp="1"/>
-          </p:cNvSpPr>
-          <p:nvPr>
-            <p:ph type="title"/>
-          </p:nvPr>
-        </p:nvSpPr>
-        <p:spPr>
-          <a:xfrm>
-            <a:off x="1397000" y="381000"/>
-            <a:ext cx="10883899" cy="1917700"/>
-          </a:xfrm>
-        </p:spPr>
-        <p:txBody>
-          <a:bodyPr>
-            <a:noAutofit/>
-          </a:bodyPr>
-          <a:lstStyle/>
-          <a:p>
-            <a:pPr algn="ctr"/>
-            <a:r>
-              <a:rPr lang="en-US" sz="4800" dirty="0"/>
-              <a:t>Summary: </a:t>
-            </a:r>
-            <a:br>
-              <a:rPr lang="en-US" sz="4800" dirty="0"/>
-            </a:br>
-            <a:r>
-              <a:rPr lang="en-US" sz="4800" dirty="0"/>
-              <a:t>how to build a ML model </a:t>
-            </a:r>
-          </a:p>
-        </p:txBody>
-      </p:sp>
-      <p:sp>
-        <p:nvSpPr>
-          <p:cNvPr id="3" name="Rectangle 2"/>
-          <p:cNvSpPr/>
-          <p:nvPr/>
-        </p:nvSpPr>
-        <p:spPr>
-          <a:xfrm>
-            <a:off x="330201" y="2819400"/>
-            <a:ext cx="12572999" cy="6124754"/>
-          </a:xfrm>
-          <a:prstGeom prst="rect">
-            <a:avLst/>
-          </a:prstGeom>
-        </p:spPr>
-        <p:txBody>
-          <a:bodyPr wrap="square">
-            <a:spAutoFit/>
-          </a:bodyPr>
-          <a:lstStyle/>
-          <a:p>
-            <a:pPr marL="514350" indent="-514350" algn="l">
-              <a:buAutoNum type="arabicPeriod"/>
-            </a:pPr>
-            <a:r>
-              <a:rPr lang="en-US" sz="2800" dirty="0">
-                <a:solidFill>
-                  <a:schemeClr val="tx1"/>
-                </a:solidFill>
-                <a:latin typeface="Gill Sans MT" panose="020B0502020104020203" pitchFamily="34" charset="77"/>
-                <a:ea typeface="Helvetica Neue Condensed" charset="0"/>
-                <a:cs typeface="Helvetica Neue Condensed" charset="0"/>
-              </a:rPr>
-              <a:t>Choose a class of model (aka a machine learning algorithm) by importing the appropriate estimator class from </a:t>
-            </a:r>
-            <a:r>
-              <a:rPr lang="en-US" sz="2800" dirty="0" err="1">
-                <a:solidFill>
-                  <a:schemeClr val="tx1"/>
-                </a:solidFill>
-                <a:latin typeface="Gill Sans MT" panose="020B0502020104020203" pitchFamily="34" charset="77"/>
-                <a:ea typeface="Helvetica Neue Condensed" charset="0"/>
-                <a:cs typeface="Helvetica Neue Condensed" charset="0"/>
-              </a:rPr>
-              <a:t>Scikit</a:t>
-            </a:r>
-            <a:r>
-              <a:rPr lang="en-US" sz="2800" dirty="0">
-                <a:solidFill>
-                  <a:schemeClr val="tx1"/>
-                </a:solidFill>
-                <a:latin typeface="Gill Sans MT" panose="020B0502020104020203" pitchFamily="34" charset="77"/>
-                <a:ea typeface="Helvetica Neue Condensed" charset="0"/>
-                <a:cs typeface="Helvetica Neue Condensed" charset="0"/>
-              </a:rPr>
-              <a:t>-Learn.</a:t>
-            </a:r>
-          </a:p>
-          <a:p>
-            <a:pPr marL="514350" indent="-514350" algn="l">
-              <a:buAutoNum type="arabicPeriod"/>
-            </a:pPr>
-            <a:r>
-              <a:rPr lang="en-US" sz="2800" dirty="0">
-                <a:solidFill>
-                  <a:schemeClr val="tx1"/>
-                </a:solidFill>
-                <a:latin typeface="Gill Sans MT" panose="020B0502020104020203" pitchFamily="34" charset="77"/>
-                <a:ea typeface="Helvetica Neue Condensed" charset="0"/>
-                <a:cs typeface="Helvetica Neue Condensed" charset="0"/>
-              </a:rPr>
-              <a:t>Choose model </a:t>
-            </a:r>
-            <a:r>
-              <a:rPr lang="en-US" sz="2800" dirty="0" err="1">
-                <a:solidFill>
-                  <a:schemeClr val="tx1"/>
-                </a:solidFill>
-                <a:latin typeface="Gill Sans MT" panose="020B0502020104020203" pitchFamily="34" charset="77"/>
-                <a:ea typeface="Helvetica Neue Condensed" charset="0"/>
-                <a:cs typeface="Helvetica Neue Condensed" charset="0"/>
-              </a:rPr>
-              <a:t>hyperparameters</a:t>
-            </a:r>
-            <a:r>
-              <a:rPr lang="en-US" sz="2800" dirty="0">
-                <a:solidFill>
-                  <a:schemeClr val="tx1"/>
-                </a:solidFill>
-                <a:latin typeface="Gill Sans MT" panose="020B0502020104020203" pitchFamily="34" charset="77"/>
-                <a:ea typeface="Helvetica Neue Condensed" charset="0"/>
-                <a:cs typeface="Helvetica Neue Condensed" charset="0"/>
-              </a:rPr>
-              <a:t> by instantiating this class with desired values.  Alternatively: optimize </a:t>
-            </a:r>
-            <a:r>
-              <a:rPr lang="en-US" sz="2800" dirty="0" err="1">
-                <a:solidFill>
-                  <a:schemeClr val="tx1"/>
-                </a:solidFill>
-                <a:latin typeface="Gill Sans MT" panose="020B0502020104020203" pitchFamily="34" charset="77"/>
-                <a:ea typeface="Helvetica Neue Condensed" charset="0"/>
-                <a:cs typeface="Helvetica Neue Condensed" charset="0"/>
-              </a:rPr>
-              <a:t>hyperparameters</a:t>
-            </a:r>
-            <a:r>
-              <a:rPr lang="en-US" sz="2800" dirty="0">
-                <a:solidFill>
-                  <a:schemeClr val="tx1"/>
-                </a:solidFill>
-                <a:latin typeface="Gill Sans MT" panose="020B0502020104020203" pitchFamily="34" charset="77"/>
-                <a:ea typeface="Helvetica Neue Condensed" charset="0"/>
-                <a:cs typeface="Helvetica Neue Condensed" charset="0"/>
-              </a:rPr>
-              <a:t> (later).</a:t>
-            </a:r>
-          </a:p>
-          <a:p>
-            <a:pPr marL="514350" indent="-514350" algn="l">
-              <a:buAutoNum type="arabicPeriod"/>
-            </a:pPr>
-            <a:r>
-              <a:rPr lang="en-US" sz="2800" dirty="0">
-                <a:solidFill>
-                  <a:schemeClr val="tx1"/>
-                </a:solidFill>
-                <a:latin typeface="Gill Sans MT" panose="020B0502020104020203" pitchFamily="34" charset="77"/>
-                <a:ea typeface="Helvetica Neue Condensed" charset="0"/>
-                <a:cs typeface="Helvetica Neue Condensed" charset="0"/>
-              </a:rPr>
-              <a:t>Arrange data into a feature matrix and target vector, if necessary.</a:t>
-            </a:r>
-          </a:p>
-          <a:p>
-            <a:pPr marL="514350" indent="-514350" algn="l">
-              <a:buAutoNum type="arabicPeriod"/>
-            </a:pPr>
-            <a:r>
-              <a:rPr lang="en-US" sz="2800" dirty="0">
-                <a:solidFill>
-                  <a:schemeClr val="tx1"/>
-                </a:solidFill>
-                <a:latin typeface="Gill Sans MT" panose="020B0502020104020203" pitchFamily="34" charset="77"/>
-                <a:ea typeface="Helvetica Neue Condensed" charset="0"/>
-                <a:cs typeface="Helvetica Neue Condensed" charset="0"/>
-              </a:rPr>
-              <a:t>Split the learning set into training/test </a:t>
-            </a:r>
-            <a:r>
-              <a:rPr lang="en-US" sz="2800" dirty="0">
-                <a:solidFill>
-                  <a:srgbClr val="FF0000"/>
-                </a:solidFill>
-                <a:latin typeface="Gill Sans MT" panose="020B0502020104020203" pitchFamily="34" charset="77"/>
-                <a:ea typeface="Helvetica Neue Condensed" charset="0"/>
-                <a:cs typeface="Helvetica Neue Condensed" charset="0"/>
-              </a:rPr>
-              <a:t>using k fold cross validation</a:t>
-            </a:r>
-            <a:r>
-              <a:rPr lang="en-US" sz="2800" dirty="0">
-                <a:solidFill>
-                  <a:schemeClr val="tx1"/>
-                </a:solidFill>
-                <a:latin typeface="Gill Sans MT" panose="020B0502020104020203" pitchFamily="34" charset="77"/>
-                <a:ea typeface="Helvetica Neue Condensed" charset="0"/>
-                <a:cs typeface="Helvetica Neue Condensed" charset="0"/>
-              </a:rPr>
-              <a:t>.</a:t>
-            </a:r>
-          </a:p>
-          <a:p>
-            <a:pPr marL="514350" indent="-514350" algn="l">
-              <a:buAutoNum type="arabicPeriod"/>
-            </a:pPr>
-            <a:r>
-              <a:rPr lang="en-US" sz="2800" dirty="0">
-                <a:solidFill>
-                  <a:schemeClr val="tx1"/>
-                </a:solidFill>
-                <a:latin typeface="Gill Sans MT" panose="020B0502020104020203" pitchFamily="34" charset="77"/>
-                <a:ea typeface="Helvetica Neue Condensed" charset="0"/>
-                <a:cs typeface="Helvetica Neue Condensed" charset="0"/>
-              </a:rPr>
-              <a:t>Build the model to your data by calling the ``fit()`` method.</a:t>
-            </a:r>
-          </a:p>
-          <a:p>
-            <a:pPr marL="514350" indent="-514350" algn="l">
-              <a:buAutoNum type="arabicPeriod"/>
-            </a:pPr>
-            <a:r>
-              <a:rPr lang="en-US" sz="2800" dirty="0">
-                <a:solidFill>
-                  <a:schemeClr val="tx1"/>
-                </a:solidFill>
-                <a:latin typeface="Gill Sans MT" panose="020B0502020104020203" pitchFamily="34" charset="77"/>
-                <a:ea typeface="Helvetica Neue Condensed" charset="0"/>
-                <a:cs typeface="Helvetica Neue Condensed" charset="0"/>
-              </a:rPr>
-              <a:t>Apply the model to new data:  predict labels for unknown data using the ``predict()`` method. </a:t>
-            </a:r>
-          </a:p>
-          <a:p>
-            <a:pPr marL="514350" indent="-514350" algn="l">
-              <a:buAutoNum type="arabicPeriod"/>
-            </a:pPr>
-            <a:r>
-              <a:rPr lang="en-US" sz="2800" dirty="0">
-                <a:solidFill>
-                  <a:schemeClr val="tx1"/>
-                </a:solidFill>
-                <a:latin typeface="Gill Sans MT" panose="020B0502020104020203" pitchFamily="34" charset="77"/>
-                <a:ea typeface="Helvetica Neue Condensed" charset="0"/>
-                <a:cs typeface="Helvetica Neue Condensed" charset="0"/>
-              </a:rPr>
-              <a:t>Estimate the performance (averaged over the k folds) </a:t>
-            </a:r>
-            <a:r>
-              <a:rPr lang="en-US" sz="2800" dirty="0">
-                <a:solidFill>
-                  <a:srgbClr val="FF0000"/>
-                </a:solidFill>
-                <a:latin typeface="Gill Sans MT" panose="020B0502020104020203" pitchFamily="34" charset="77"/>
-                <a:ea typeface="Helvetica Neue Condensed" charset="0"/>
-                <a:cs typeface="Helvetica Neue Condensed" charset="0"/>
-              </a:rPr>
-              <a:t>by using one of the metrics in the "metrics" method</a:t>
-            </a:r>
-            <a:r>
-              <a:rPr lang="en-US" sz="2800" dirty="0">
-                <a:solidFill>
-                  <a:schemeClr val="tx1"/>
-                </a:solidFill>
-                <a:latin typeface="Gill Sans MT" panose="020B0502020104020203" pitchFamily="34" charset="77"/>
-                <a:ea typeface="Helvetica Neue Condensed" charset="0"/>
-                <a:cs typeface="Helvetica Neue Condensed" charset="0"/>
-              </a:rPr>
-              <a:t> of the model instance (accuracy, precision, recall </a:t>
-            </a:r>
-            <a:r>
-              <a:rPr lang="mr-IN" sz="2800" dirty="0">
-                <a:solidFill>
-                  <a:schemeClr val="tx1"/>
-                </a:solidFill>
-                <a:latin typeface="Gill Sans MT" panose="020B0502020104020203" pitchFamily="34" charset="77"/>
-                <a:ea typeface="Helvetica Neue Condensed" charset="0"/>
-                <a:cs typeface="Helvetica Neue Condensed" charset="0"/>
-              </a:rPr>
-              <a:t>…</a:t>
-            </a:r>
-            <a:r>
-              <a:rPr lang="en-US" sz="2800" dirty="0">
-                <a:solidFill>
-                  <a:schemeClr val="tx1"/>
-                </a:solidFill>
-                <a:latin typeface="Gill Sans MT" panose="020B0502020104020203" pitchFamily="34" charset="77"/>
-                <a:ea typeface="Helvetica Neue Condensed" charset="0"/>
-                <a:cs typeface="Helvetica Neue Condensed" charset="0"/>
-              </a:rPr>
-              <a:t> or custom).</a:t>
-            </a:r>
-          </a:p>
-          <a:p>
-            <a:pPr marL="514350" indent="-514350" algn="l">
-              <a:buAutoNum type="arabicPeriod"/>
-            </a:pPr>
-            <a:r>
-              <a:rPr lang="en-US" sz="2800" dirty="0">
-                <a:solidFill>
-                  <a:srgbClr val="FF0000"/>
-                </a:solidFill>
-                <a:latin typeface="Gill Sans MT" panose="020B0502020104020203" pitchFamily="34" charset="77"/>
-                <a:ea typeface="Helvetica Neue Condensed" charset="0"/>
-                <a:cs typeface="Helvetica Neue Condensed" charset="0"/>
-              </a:rPr>
-              <a:t>Figure out what is not working out: </a:t>
-            </a:r>
-            <a:r>
-              <a:rPr lang="en-US" sz="2800" dirty="0">
-                <a:solidFill>
-                  <a:schemeClr val="tx1"/>
-                </a:solidFill>
-                <a:latin typeface="Gill Sans MT" panose="020B0502020104020203" pitchFamily="34" charset="77"/>
-                <a:ea typeface="Helvetica Neue Condensed" charset="0"/>
-                <a:cs typeface="Helvetica Neue Condensed" charset="0"/>
-              </a:rPr>
-              <a:t>Check training vs test score, learning curves, diagnose high variance vs high bias and decide how to move forward.</a:t>
-            </a:r>
-          </a:p>
-        </p:txBody>
-      </p:sp>
-    </p:spTree>
-    <p:extLst>
-      <p:ext uri="{BB962C8B-B14F-4D97-AF65-F5344CB8AC3E}">
-        <p14:creationId xmlns:p14="http://schemas.microsoft.com/office/powerpoint/2010/main" val="1058070732"/>
-      </p:ext>
-    </p:extLst>
-  </p:cSld>
-  <p:clrMapOvr>
-    <a:masterClrMapping/>
-  </p:clrMapOvr>
-</p:sld>
-</file>
-
-<file path=ppt/slides/slide31.xml><?xml version="1.0" encoding="utf-8"?>
 <p:sld xmlns:a="http://schemas.openxmlformats.org/drawingml/2006/main" xmlns:r="http://schemas.openxmlformats.org/officeDocument/2006/relationships" xmlns:p="http://schemas.openxmlformats.org/presentationml/2006/main">
   <p:cSld>
     <p:spTree>
